--- a/基于Web的实验室管理系统.pptx
+++ b/基于Web的实验室管理系统.pptx
@@ -233,7 +233,7 @@
                 <a:ea typeface="微软雅黑" panose="020B0503020204020204" pitchFamily="34" charset="-122"/>
               </a:rPr>
               <a:pPr algn="r" rtl="0"/>
-              <a:t>2022/1/9</a:t>
+              <a:t>2022/4/12</a:t>
             </a:fld>
             <a:endParaRPr lang="zh-CN" altLang="en-US" dirty="0">
               <a:latin typeface="微软雅黑" panose="020B0503020204020204" pitchFamily="34" charset="-122"/>
@@ -420,7 +420,7 @@
             <a:fld id="{0760B032-84D0-4C37-BA11-143E54573B20}" type="datetime1">
               <a:rPr lang="zh-CN" altLang="en-US" smtClean="0"/>
               <a:pPr/>
-              <a:t>2022/1/9</a:t>
+              <a:t>2022/4/12</a:t>
             </a:fld>
             <a:endParaRPr lang="zh-CN" altLang="en-US" dirty="0"/>
           </a:p>
@@ -1031,7 +1031,7 @@
             <a:fld id="{CCC847F5-93BF-420F-8B65-846E937E9C1A}" type="datetime1">
               <a:rPr lang="zh-CN" altLang="en-US" smtClean="0"/>
               <a:pPr/>
-              <a:t>2022/1/9</a:t>
+              <a:t>2022/4/12</a:t>
             </a:fld>
             <a:endParaRPr lang="zh-CN" altLang="en-US" dirty="0"/>
           </a:p>
@@ -1231,7 +1231,7 @@
             <a:fld id="{6E377329-BC83-4AA4-8C27-9230F654D81D}" type="datetime1">
               <a:rPr lang="zh-CN" altLang="en-US" smtClean="0"/>
               <a:pPr/>
-              <a:t>2022/1/9</a:t>
+              <a:t>2022/4/12</a:t>
             </a:fld>
             <a:endParaRPr lang="zh-CN" altLang="en-US" dirty="0"/>
           </a:p>
@@ -1465,7 +1465,7 @@
             <a:fld id="{0590CACB-45F2-4467-AFEF-2FAF076B81D1}" type="datetime1">
               <a:rPr lang="zh-CN" altLang="en-US" smtClean="0"/>
               <a:pPr/>
-              <a:t>2022/1/9</a:t>
+              <a:t>2022/4/12</a:t>
             </a:fld>
             <a:endParaRPr lang="zh-CN" altLang="en-US" dirty="0"/>
           </a:p>
@@ -1766,7 +1766,7 @@
             <a:fld id="{2B5F8077-0E3A-4E2F-B75E-22C62A81D703}" type="datetime1">
               <a:rPr lang="zh-CN" altLang="en-US" smtClean="0"/>
               <a:pPr/>
-              <a:t>2022/1/9</a:t>
+              <a:t>2022/4/12</a:t>
             </a:fld>
             <a:endParaRPr lang="zh-CN" altLang="en-US" dirty="0"/>
           </a:p>
@@ -2118,7 +2118,7 @@
             <a:fld id="{17CC0278-CB38-4147-A3E5-29E0B37DAE13}" type="datetime1">
               <a:rPr lang="zh-CN" altLang="en-US" smtClean="0"/>
               <a:pPr/>
-              <a:t>2022/1/9</a:t>
+              <a:t>2022/4/12</a:t>
             </a:fld>
             <a:endParaRPr lang="zh-CN" altLang="en-US" dirty="0"/>
           </a:p>
@@ -2595,7 +2595,7 @@
             <a:fld id="{FE3F0142-28F1-4EAE-A000-8206DFCC5E82}" type="datetime1">
               <a:rPr lang="zh-CN" altLang="en-US" smtClean="0"/>
               <a:pPr/>
-              <a:t>2022/1/9</a:t>
+              <a:t>2022/4/12</a:t>
             </a:fld>
             <a:endParaRPr lang="zh-CN" altLang="en-US" dirty="0"/>
           </a:p>
@@ -2733,7 +2733,7 @@
             <a:fld id="{A4BB1F61-C412-4D7C-8881-587417A7B600}" type="datetime1">
               <a:rPr lang="zh-CN" altLang="en-US" smtClean="0"/>
               <a:pPr/>
-              <a:t>2022/1/9</a:t>
+              <a:t>2022/4/12</a:t>
             </a:fld>
             <a:endParaRPr lang="zh-CN" altLang="en-US" dirty="0"/>
           </a:p>
@@ -2855,7 +2855,7 @@
             <a:fld id="{8469E5D7-6C97-4873-B82C-4B22B2F17496}" type="datetime1">
               <a:rPr lang="zh-CN" altLang="en-US" smtClean="0"/>
               <a:pPr/>
-              <a:t>2022/1/9</a:t>
+              <a:t>2022/4/12</a:t>
             </a:fld>
             <a:endParaRPr lang="zh-CN" altLang="en-US" dirty="0"/>
           </a:p>
@@ -3185,7 +3185,7 @@
             <a:fld id="{D7B3E930-C3B3-4585-8A26-00F140A7FB77}" type="datetime1">
               <a:rPr lang="zh-CN" altLang="en-US" smtClean="0"/>
               <a:pPr/>
-              <a:t>2022/1/9</a:t>
+              <a:t>2022/4/12</a:t>
             </a:fld>
             <a:endParaRPr lang="zh-CN" altLang="en-US" dirty="0"/>
           </a:p>
@@ -3505,7 +3505,7 @@
             <a:fld id="{E46EF46F-E0E0-460C-B765-9380271A0BA1}" type="datetime1">
               <a:rPr lang="zh-CN" altLang="en-US" smtClean="0"/>
               <a:pPr/>
-              <a:t>2022/1/9</a:t>
+              <a:t>2022/4/12</a:t>
             </a:fld>
             <a:endParaRPr lang="zh-CN" altLang="en-US" dirty="0"/>
           </a:p>
@@ -3744,7 +3744,7 @@
             <a:fld id="{4C63F3C3-2912-4537-AF96-286DDB4356FC}" type="datetime1">
               <a:rPr lang="zh-CN" altLang="en-US" smtClean="0"/>
               <a:pPr/>
-              <a:t>2022/1/9</a:t>
+              <a:t>2022/4/12</a:t>
             </a:fld>
             <a:endParaRPr lang="zh-CN" altLang="en-US" dirty="0"/>
           </a:p>
@@ -4375,7 +4375,7 @@
                 <a:ea typeface="宋体" panose="02010600030101010101" pitchFamily="2" charset="-122"/>
                 <a:cs typeface="Times New Roman" panose="02020603050405020304" pitchFamily="18" charset="0"/>
               </a:rPr>
-              <a:t>现代计算机科学技术的发展迅速，科研和生产技术也不断的进步，高校实验室原来的功能管理模式已愈发的不能适应现时代发展的规模。实验室每时每刻都会产生一些流动量大的信息，比如</a:t>
+              <a:t>现代计算机科学技术的发展迅速，科研和生产技术也不断的进步，实验室原来的功能管理模式已愈发的不能适应现时代发展的规模。实验室每时每刻都会产生一些流动量大的信息，比如</a:t>
             </a:r>
             <a:r>
               <a:rPr lang="en-US" altLang="zh-CN" sz="1800" kern="100" dirty="0">
@@ -6310,6 +6310,133 @@
 </file>
 
 <file path=customXml/item1.xml><?xml version="1.0" encoding="utf-8"?>
+<p:properties xmlns:p="http://schemas.microsoft.com/office/2006/metadata/properties" xmlns:xsi="http://www.w3.org/2001/XMLSchema-instance" xmlns:pc="http://schemas.microsoft.com/office/infopath/2007/PartnerControls">
+  <documentManagement>
+    <DirectSourceMarket xmlns="4873beb7-5857-4685-be1f-d57550cc96cc" xsi:nil="true"/>
+    <ApprovalStatus xmlns="4873beb7-5857-4685-be1f-d57550cc96cc">InProgress</ApprovalStatus>
+    <MarketSpecific xmlns="4873beb7-5857-4685-be1f-d57550cc96cc">false</MarketSpecific>
+    <LocComments xmlns="4873beb7-5857-4685-be1f-d57550cc96cc" xsi:nil="true"/>
+    <ThumbnailAssetId xmlns="4873beb7-5857-4685-be1f-d57550cc96cc" xsi:nil="true"/>
+    <PrimaryImageGen xmlns="4873beb7-5857-4685-be1f-d57550cc96cc">true</PrimaryImageGen>
+    <LegacyData xmlns="4873beb7-5857-4685-be1f-d57550cc96cc" xsi:nil="true"/>
+    <LocRecommendedHandoff xmlns="4873beb7-5857-4685-be1f-d57550cc96cc" xsi:nil="true"/>
+    <BusinessGroup xmlns="4873beb7-5857-4685-be1f-d57550cc96cc" xsi:nil="true"/>
+    <BlockPublish xmlns="4873beb7-5857-4685-be1f-d57550cc96cc">false</BlockPublish>
+    <TPFriendlyName xmlns="4873beb7-5857-4685-be1f-d57550cc96cc" xsi:nil="true"/>
+    <NumericId xmlns="4873beb7-5857-4685-be1f-d57550cc96cc" xsi:nil="true"/>
+    <APEditor xmlns="4873beb7-5857-4685-be1f-d57550cc96cc">
+      <UserInfo>
+        <DisplayName/>
+        <AccountId xsi:nil="true"/>
+        <AccountType/>
+      </UserInfo>
+    </APEditor>
+    <SourceTitle xmlns="4873beb7-5857-4685-be1f-d57550cc96cc" xsi:nil="true"/>
+    <OpenTemplate xmlns="4873beb7-5857-4685-be1f-d57550cc96cc">true</OpenTemplate>
+    <UALocComments xmlns="4873beb7-5857-4685-be1f-d57550cc96cc" xsi:nil="true"/>
+    <ParentAssetId xmlns="4873beb7-5857-4685-be1f-d57550cc96cc" xsi:nil="true"/>
+    <IntlLangReviewDate xmlns="4873beb7-5857-4685-be1f-d57550cc96cc" xsi:nil="true"/>
+    <FeatureTagsTaxHTField0 xmlns="4873beb7-5857-4685-be1f-d57550cc96cc">
+      <Terms xmlns="http://schemas.microsoft.com/office/infopath/2007/PartnerControls"/>
+    </FeatureTagsTaxHTField0>
+    <PublishStatusLookup xmlns="4873beb7-5857-4685-be1f-d57550cc96cc">
+      <Value>1564227</Value>
+    </PublishStatusLookup>
+    <Providers xmlns="4873beb7-5857-4685-be1f-d57550cc96cc" xsi:nil="true"/>
+    <MachineTranslated xmlns="4873beb7-5857-4685-be1f-d57550cc96cc">false</MachineTranslated>
+    <OriginalSourceMarket xmlns="4873beb7-5857-4685-be1f-d57550cc96cc" xsi:nil="true"/>
+    <APDescription xmlns="4873beb7-5857-4685-be1f-d57550cc96cc">Take your audience through a digital tunnel where they'll  burst through to the other side and see the information you want to present. Show them lists, charts, tables, SmartArt,  and pictures using a variety of layouts in widescreen (16X9) format. This design works well for subjects on science and technology, computers, communication, and more.   
+</APDescription>
+    <ClipArtFilename xmlns="4873beb7-5857-4685-be1f-d57550cc96cc" xsi:nil="true"/>
+    <ContentItem xmlns="4873beb7-5857-4685-be1f-d57550cc96cc" xsi:nil="true"/>
+    <TPInstallLocation xmlns="4873beb7-5857-4685-be1f-d57550cc96cc" xsi:nil="true"/>
+    <PublishTargets xmlns="4873beb7-5857-4685-be1f-d57550cc96cc">OfficeOnlineVNext</PublishTargets>
+    <TimesCloned xmlns="4873beb7-5857-4685-be1f-d57550cc96cc" xsi:nil="true"/>
+    <AssetStart xmlns="4873beb7-5857-4685-be1f-d57550cc96cc">2012-05-11T02:04:00+00:00</AssetStart>
+    <Provider xmlns="4873beb7-5857-4685-be1f-d57550cc96cc" xsi:nil="true"/>
+    <AcquiredFrom xmlns="4873beb7-5857-4685-be1f-d57550cc96cc">Internal MS</AcquiredFrom>
+    <FriendlyTitle xmlns="4873beb7-5857-4685-be1f-d57550cc96cc" xsi:nil="true"/>
+    <LastHandOff xmlns="4873beb7-5857-4685-be1f-d57550cc96cc" xsi:nil="true"/>
+    <TPClientViewer xmlns="4873beb7-5857-4685-be1f-d57550cc96cc" xsi:nil="true"/>
+    <UACurrentWords xmlns="4873beb7-5857-4685-be1f-d57550cc96cc" xsi:nil="true"/>
+    <ArtSampleDocs xmlns="4873beb7-5857-4685-be1f-d57550cc96cc" xsi:nil="true"/>
+    <UALocRecommendation xmlns="4873beb7-5857-4685-be1f-d57550cc96cc">Localize</UALocRecommendation>
+    <Manager xmlns="4873beb7-5857-4685-be1f-d57550cc96cc" xsi:nil="true"/>
+    <ShowIn xmlns="4873beb7-5857-4685-be1f-d57550cc96cc">Show everywhere</ShowIn>
+    <UANotes xmlns="4873beb7-5857-4685-be1f-d57550cc96cc" xsi:nil="true"/>
+    <TemplateStatus xmlns="4873beb7-5857-4685-be1f-d57550cc96cc">Complete</TemplateStatus>
+    <InternalTagsTaxHTField0 xmlns="4873beb7-5857-4685-be1f-d57550cc96cc">
+      <Terms xmlns="http://schemas.microsoft.com/office/infopath/2007/PartnerControls"/>
+    </InternalTagsTaxHTField0>
+    <CSXHash xmlns="4873beb7-5857-4685-be1f-d57550cc96cc" xsi:nil="true"/>
+    <Downloads xmlns="4873beb7-5857-4685-be1f-d57550cc96cc">0</Downloads>
+    <VoteCount xmlns="4873beb7-5857-4685-be1f-d57550cc96cc" xsi:nil="true"/>
+    <OOCacheId xmlns="4873beb7-5857-4685-be1f-d57550cc96cc" xsi:nil="true"/>
+    <IsDeleted xmlns="4873beb7-5857-4685-be1f-d57550cc96cc">false</IsDeleted>
+    <AssetExpire xmlns="4873beb7-5857-4685-be1f-d57550cc96cc">2029-01-01T08:00:00+00:00</AssetExpire>
+    <DSATActionTaken xmlns="4873beb7-5857-4685-be1f-d57550cc96cc" xsi:nil="true"/>
+    <CSXSubmissionMarket xmlns="4873beb7-5857-4685-be1f-d57550cc96cc" xsi:nil="true"/>
+    <TPExecutable xmlns="4873beb7-5857-4685-be1f-d57550cc96cc" xsi:nil="true"/>
+    <SubmitterId xmlns="4873beb7-5857-4685-be1f-d57550cc96cc" xsi:nil="true"/>
+    <EditorialTags xmlns="4873beb7-5857-4685-be1f-d57550cc96cc" xsi:nil="true"/>
+    <ApprovalLog xmlns="4873beb7-5857-4685-be1f-d57550cc96cc" xsi:nil="true"/>
+    <AssetType xmlns="4873beb7-5857-4685-be1f-d57550cc96cc">TP</AssetType>
+    <BugNumber xmlns="4873beb7-5857-4685-be1f-d57550cc96cc" xsi:nil="true"/>
+    <CSXSubmissionDate xmlns="4873beb7-5857-4685-be1f-d57550cc96cc" xsi:nil="true"/>
+    <CSXUpdate xmlns="4873beb7-5857-4685-be1f-d57550cc96cc">false</CSXUpdate>
+    <Milestone xmlns="4873beb7-5857-4685-be1f-d57550cc96cc" xsi:nil="true"/>
+    <RecommendationsModifier xmlns="4873beb7-5857-4685-be1f-d57550cc96cc" xsi:nil="true"/>
+    <OriginAsset xmlns="4873beb7-5857-4685-be1f-d57550cc96cc" xsi:nil="true"/>
+    <TPComponent xmlns="4873beb7-5857-4685-be1f-d57550cc96cc" xsi:nil="true"/>
+    <AssetId xmlns="4873beb7-5857-4685-be1f-d57550cc96cc">TP102895246</AssetId>
+    <IntlLocPriority xmlns="4873beb7-5857-4685-be1f-d57550cc96cc" xsi:nil="true"/>
+    <PolicheckWords xmlns="4873beb7-5857-4685-be1f-d57550cc96cc" xsi:nil="true"/>
+    <TPLaunchHelpLink xmlns="4873beb7-5857-4685-be1f-d57550cc96cc" xsi:nil="true"/>
+    <TPApplication xmlns="4873beb7-5857-4685-be1f-d57550cc96cc" xsi:nil="true"/>
+    <CrawlForDependencies xmlns="4873beb7-5857-4685-be1f-d57550cc96cc">false</CrawlForDependencies>
+    <HandoffToMSDN xmlns="4873beb7-5857-4685-be1f-d57550cc96cc" xsi:nil="true"/>
+    <PlannedPubDate xmlns="4873beb7-5857-4685-be1f-d57550cc96cc" xsi:nil="true"/>
+    <IntlLangReviewer xmlns="4873beb7-5857-4685-be1f-d57550cc96cc" xsi:nil="true"/>
+    <TrustLevel xmlns="4873beb7-5857-4685-be1f-d57550cc96cc">1 Microsoft Managed Content</TrustLevel>
+    <LocLastLocAttemptVersionLookup xmlns="4873beb7-5857-4685-be1f-d57550cc96cc">835483</LocLastLocAttemptVersionLookup>
+    <IsSearchable xmlns="4873beb7-5857-4685-be1f-d57550cc96cc">true</IsSearchable>
+    <TemplateTemplateType xmlns="4873beb7-5857-4685-be1f-d57550cc96cc">PowerPoint Presentation Template</TemplateTemplateType>
+    <CampaignTagsTaxHTField0 xmlns="4873beb7-5857-4685-be1f-d57550cc96cc">
+      <Terms xmlns="http://schemas.microsoft.com/office/infopath/2007/PartnerControls"/>
+    </CampaignTagsTaxHTField0>
+    <TPNamespace xmlns="4873beb7-5857-4685-be1f-d57550cc96cc" xsi:nil="true"/>
+    <TaxCatchAll xmlns="4873beb7-5857-4685-be1f-d57550cc96cc"/>
+    <Markets xmlns="4873beb7-5857-4685-be1f-d57550cc96cc"/>
+    <UAProjectedTotalWords xmlns="4873beb7-5857-4685-be1f-d57550cc96cc" xsi:nil="true"/>
+    <IntlLangReview xmlns="4873beb7-5857-4685-be1f-d57550cc96cc">false</IntlLangReview>
+    <OutputCachingOn xmlns="4873beb7-5857-4685-be1f-d57550cc96cc">false</OutputCachingOn>
+    <AverageRating xmlns="4873beb7-5857-4685-be1f-d57550cc96cc" xsi:nil="true"/>
+    <APAuthor xmlns="4873beb7-5857-4685-be1f-d57550cc96cc">
+      <UserInfo>
+        <DisplayName>REDMOND\v-vaddu</DisplayName>
+        <AccountId>2567</AccountId>
+        <AccountType/>
+      </UserInfo>
+    </APAuthor>
+    <LocManualTestRequired xmlns="4873beb7-5857-4685-be1f-d57550cc96cc">false</LocManualTestRequired>
+    <TPCommandLine xmlns="4873beb7-5857-4685-be1f-d57550cc96cc" xsi:nil="true"/>
+    <TPAppVersion xmlns="4873beb7-5857-4685-be1f-d57550cc96cc" xsi:nil="true"/>
+    <EditorialStatus xmlns="4873beb7-5857-4685-be1f-d57550cc96cc">Complete</EditorialStatus>
+    <LastModifiedDateTime xmlns="4873beb7-5857-4685-be1f-d57550cc96cc" xsi:nil="true"/>
+    <ScenarioTagsTaxHTField0 xmlns="4873beb7-5857-4685-be1f-d57550cc96cc">
+      <Terms xmlns="http://schemas.microsoft.com/office/infopath/2007/PartnerControls"/>
+    </ScenarioTagsTaxHTField0>
+    <OriginalRelease xmlns="4873beb7-5857-4685-be1f-d57550cc96cc">15</OriginalRelease>
+    <TPLaunchHelpLinkType xmlns="4873beb7-5857-4685-be1f-d57550cc96cc">Template</TPLaunchHelpLinkType>
+    <LocalizationTagsTaxHTField0 xmlns="4873beb7-5857-4685-be1f-d57550cc96cc">
+      <Terms xmlns="http://schemas.microsoft.com/office/infopath/2007/PartnerControls"/>
+    </LocalizationTagsTaxHTField0>
+    <LocMarketGroupTiers2 xmlns="4873beb7-5857-4685-be1f-d57550cc96cc" xsi:nil="true"/>
+  </documentManagement>
+</p:properties>
+</file>
+
+<file path=customXml/item2.xml><?xml version="1.0" encoding="utf-8"?>
 <ct:contentTypeSchema xmlns:ct="http://schemas.microsoft.com/office/2006/metadata/contentType" xmlns:ma="http://schemas.microsoft.com/office/2006/metadata/properties/metaAttributes" ct:_="" ma:_="" ma:contentTypeName="TemplateFile" ma:contentTypeID="0x0101006EDDDB5EE6D98C44930B742096920B300400F5B6D36B3EF94B4E9A635CDF2A18F5B8" ma:contentTypeVersion="72" ma:contentTypeDescription="Create a new document." ma:contentTypeScope="" ma:versionID="a23e56308344d904b51738559c3d67c9">
   <xsd:schema xmlns:xsd="http://www.w3.org/2001/XMLSchema" xmlns:xs="http://www.w3.org/2001/XMLSchema" xmlns:p="http://schemas.microsoft.com/office/2006/metadata/properties" xmlns:ns2="4873beb7-5857-4685-be1f-d57550cc96cc" targetNamespace="http://schemas.microsoft.com/office/2006/metadata/properties" ma:root="true" ma:fieldsID="cd0908cc4600e77bf5da051303e00c8d" ns2:_="">
     <xsd:import namespace="4873beb7-5857-4685-be1f-d57550cc96cc"/>
@@ -7349,133 +7476,6 @@
 </ct:contentTypeSchema>
 </file>
 
-<file path=customXml/item2.xml><?xml version="1.0" encoding="utf-8"?>
-<p:properties xmlns:p="http://schemas.microsoft.com/office/2006/metadata/properties" xmlns:xsi="http://www.w3.org/2001/XMLSchema-instance" xmlns:pc="http://schemas.microsoft.com/office/infopath/2007/PartnerControls">
-  <documentManagement>
-    <DirectSourceMarket xmlns="4873beb7-5857-4685-be1f-d57550cc96cc" xsi:nil="true"/>
-    <ApprovalStatus xmlns="4873beb7-5857-4685-be1f-d57550cc96cc">InProgress</ApprovalStatus>
-    <MarketSpecific xmlns="4873beb7-5857-4685-be1f-d57550cc96cc">false</MarketSpecific>
-    <LocComments xmlns="4873beb7-5857-4685-be1f-d57550cc96cc" xsi:nil="true"/>
-    <ThumbnailAssetId xmlns="4873beb7-5857-4685-be1f-d57550cc96cc" xsi:nil="true"/>
-    <PrimaryImageGen xmlns="4873beb7-5857-4685-be1f-d57550cc96cc">true</PrimaryImageGen>
-    <LegacyData xmlns="4873beb7-5857-4685-be1f-d57550cc96cc" xsi:nil="true"/>
-    <LocRecommendedHandoff xmlns="4873beb7-5857-4685-be1f-d57550cc96cc" xsi:nil="true"/>
-    <BusinessGroup xmlns="4873beb7-5857-4685-be1f-d57550cc96cc" xsi:nil="true"/>
-    <BlockPublish xmlns="4873beb7-5857-4685-be1f-d57550cc96cc">false</BlockPublish>
-    <TPFriendlyName xmlns="4873beb7-5857-4685-be1f-d57550cc96cc" xsi:nil="true"/>
-    <NumericId xmlns="4873beb7-5857-4685-be1f-d57550cc96cc" xsi:nil="true"/>
-    <APEditor xmlns="4873beb7-5857-4685-be1f-d57550cc96cc">
-      <UserInfo>
-        <DisplayName/>
-        <AccountId xsi:nil="true"/>
-        <AccountType/>
-      </UserInfo>
-    </APEditor>
-    <SourceTitle xmlns="4873beb7-5857-4685-be1f-d57550cc96cc" xsi:nil="true"/>
-    <OpenTemplate xmlns="4873beb7-5857-4685-be1f-d57550cc96cc">true</OpenTemplate>
-    <UALocComments xmlns="4873beb7-5857-4685-be1f-d57550cc96cc" xsi:nil="true"/>
-    <ParentAssetId xmlns="4873beb7-5857-4685-be1f-d57550cc96cc" xsi:nil="true"/>
-    <IntlLangReviewDate xmlns="4873beb7-5857-4685-be1f-d57550cc96cc" xsi:nil="true"/>
-    <FeatureTagsTaxHTField0 xmlns="4873beb7-5857-4685-be1f-d57550cc96cc">
-      <Terms xmlns="http://schemas.microsoft.com/office/infopath/2007/PartnerControls"/>
-    </FeatureTagsTaxHTField0>
-    <PublishStatusLookup xmlns="4873beb7-5857-4685-be1f-d57550cc96cc">
-      <Value>1564227</Value>
-    </PublishStatusLookup>
-    <Providers xmlns="4873beb7-5857-4685-be1f-d57550cc96cc" xsi:nil="true"/>
-    <MachineTranslated xmlns="4873beb7-5857-4685-be1f-d57550cc96cc">false</MachineTranslated>
-    <OriginalSourceMarket xmlns="4873beb7-5857-4685-be1f-d57550cc96cc" xsi:nil="true"/>
-    <APDescription xmlns="4873beb7-5857-4685-be1f-d57550cc96cc">Take your audience through a digital tunnel where they'll  burst through to the other side and see the information you want to present. Show them lists, charts, tables, SmartArt,  and pictures using a variety of layouts in widescreen (16X9) format. This design works well for subjects on science and technology, computers, communication, and more.   
-</APDescription>
-    <ClipArtFilename xmlns="4873beb7-5857-4685-be1f-d57550cc96cc" xsi:nil="true"/>
-    <ContentItem xmlns="4873beb7-5857-4685-be1f-d57550cc96cc" xsi:nil="true"/>
-    <TPInstallLocation xmlns="4873beb7-5857-4685-be1f-d57550cc96cc" xsi:nil="true"/>
-    <PublishTargets xmlns="4873beb7-5857-4685-be1f-d57550cc96cc">OfficeOnlineVNext</PublishTargets>
-    <TimesCloned xmlns="4873beb7-5857-4685-be1f-d57550cc96cc" xsi:nil="true"/>
-    <AssetStart xmlns="4873beb7-5857-4685-be1f-d57550cc96cc">2012-05-11T02:04:00+00:00</AssetStart>
-    <Provider xmlns="4873beb7-5857-4685-be1f-d57550cc96cc" xsi:nil="true"/>
-    <AcquiredFrom xmlns="4873beb7-5857-4685-be1f-d57550cc96cc">Internal MS</AcquiredFrom>
-    <FriendlyTitle xmlns="4873beb7-5857-4685-be1f-d57550cc96cc" xsi:nil="true"/>
-    <LastHandOff xmlns="4873beb7-5857-4685-be1f-d57550cc96cc" xsi:nil="true"/>
-    <TPClientViewer xmlns="4873beb7-5857-4685-be1f-d57550cc96cc" xsi:nil="true"/>
-    <UACurrentWords xmlns="4873beb7-5857-4685-be1f-d57550cc96cc" xsi:nil="true"/>
-    <ArtSampleDocs xmlns="4873beb7-5857-4685-be1f-d57550cc96cc" xsi:nil="true"/>
-    <UALocRecommendation xmlns="4873beb7-5857-4685-be1f-d57550cc96cc">Localize</UALocRecommendation>
-    <Manager xmlns="4873beb7-5857-4685-be1f-d57550cc96cc" xsi:nil="true"/>
-    <ShowIn xmlns="4873beb7-5857-4685-be1f-d57550cc96cc">Show everywhere</ShowIn>
-    <UANotes xmlns="4873beb7-5857-4685-be1f-d57550cc96cc" xsi:nil="true"/>
-    <TemplateStatus xmlns="4873beb7-5857-4685-be1f-d57550cc96cc">Complete</TemplateStatus>
-    <InternalTagsTaxHTField0 xmlns="4873beb7-5857-4685-be1f-d57550cc96cc">
-      <Terms xmlns="http://schemas.microsoft.com/office/infopath/2007/PartnerControls"/>
-    </InternalTagsTaxHTField0>
-    <CSXHash xmlns="4873beb7-5857-4685-be1f-d57550cc96cc" xsi:nil="true"/>
-    <Downloads xmlns="4873beb7-5857-4685-be1f-d57550cc96cc">0</Downloads>
-    <VoteCount xmlns="4873beb7-5857-4685-be1f-d57550cc96cc" xsi:nil="true"/>
-    <OOCacheId xmlns="4873beb7-5857-4685-be1f-d57550cc96cc" xsi:nil="true"/>
-    <IsDeleted xmlns="4873beb7-5857-4685-be1f-d57550cc96cc">false</IsDeleted>
-    <AssetExpire xmlns="4873beb7-5857-4685-be1f-d57550cc96cc">2029-01-01T08:00:00+00:00</AssetExpire>
-    <DSATActionTaken xmlns="4873beb7-5857-4685-be1f-d57550cc96cc" xsi:nil="true"/>
-    <CSXSubmissionMarket xmlns="4873beb7-5857-4685-be1f-d57550cc96cc" xsi:nil="true"/>
-    <TPExecutable xmlns="4873beb7-5857-4685-be1f-d57550cc96cc" xsi:nil="true"/>
-    <SubmitterId xmlns="4873beb7-5857-4685-be1f-d57550cc96cc" xsi:nil="true"/>
-    <EditorialTags xmlns="4873beb7-5857-4685-be1f-d57550cc96cc" xsi:nil="true"/>
-    <ApprovalLog xmlns="4873beb7-5857-4685-be1f-d57550cc96cc" xsi:nil="true"/>
-    <AssetType xmlns="4873beb7-5857-4685-be1f-d57550cc96cc">TP</AssetType>
-    <BugNumber xmlns="4873beb7-5857-4685-be1f-d57550cc96cc" xsi:nil="true"/>
-    <CSXSubmissionDate xmlns="4873beb7-5857-4685-be1f-d57550cc96cc" xsi:nil="true"/>
-    <CSXUpdate xmlns="4873beb7-5857-4685-be1f-d57550cc96cc">false</CSXUpdate>
-    <Milestone xmlns="4873beb7-5857-4685-be1f-d57550cc96cc" xsi:nil="true"/>
-    <RecommendationsModifier xmlns="4873beb7-5857-4685-be1f-d57550cc96cc" xsi:nil="true"/>
-    <OriginAsset xmlns="4873beb7-5857-4685-be1f-d57550cc96cc" xsi:nil="true"/>
-    <TPComponent xmlns="4873beb7-5857-4685-be1f-d57550cc96cc" xsi:nil="true"/>
-    <AssetId xmlns="4873beb7-5857-4685-be1f-d57550cc96cc">TP102895246</AssetId>
-    <IntlLocPriority xmlns="4873beb7-5857-4685-be1f-d57550cc96cc" xsi:nil="true"/>
-    <PolicheckWords xmlns="4873beb7-5857-4685-be1f-d57550cc96cc" xsi:nil="true"/>
-    <TPLaunchHelpLink xmlns="4873beb7-5857-4685-be1f-d57550cc96cc" xsi:nil="true"/>
-    <TPApplication xmlns="4873beb7-5857-4685-be1f-d57550cc96cc" xsi:nil="true"/>
-    <CrawlForDependencies xmlns="4873beb7-5857-4685-be1f-d57550cc96cc">false</CrawlForDependencies>
-    <HandoffToMSDN xmlns="4873beb7-5857-4685-be1f-d57550cc96cc" xsi:nil="true"/>
-    <PlannedPubDate xmlns="4873beb7-5857-4685-be1f-d57550cc96cc" xsi:nil="true"/>
-    <IntlLangReviewer xmlns="4873beb7-5857-4685-be1f-d57550cc96cc" xsi:nil="true"/>
-    <TrustLevel xmlns="4873beb7-5857-4685-be1f-d57550cc96cc">1 Microsoft Managed Content</TrustLevel>
-    <LocLastLocAttemptVersionLookup xmlns="4873beb7-5857-4685-be1f-d57550cc96cc">835483</LocLastLocAttemptVersionLookup>
-    <IsSearchable xmlns="4873beb7-5857-4685-be1f-d57550cc96cc">true</IsSearchable>
-    <TemplateTemplateType xmlns="4873beb7-5857-4685-be1f-d57550cc96cc">PowerPoint Presentation Template</TemplateTemplateType>
-    <CampaignTagsTaxHTField0 xmlns="4873beb7-5857-4685-be1f-d57550cc96cc">
-      <Terms xmlns="http://schemas.microsoft.com/office/infopath/2007/PartnerControls"/>
-    </CampaignTagsTaxHTField0>
-    <TPNamespace xmlns="4873beb7-5857-4685-be1f-d57550cc96cc" xsi:nil="true"/>
-    <TaxCatchAll xmlns="4873beb7-5857-4685-be1f-d57550cc96cc"/>
-    <Markets xmlns="4873beb7-5857-4685-be1f-d57550cc96cc"/>
-    <UAProjectedTotalWords xmlns="4873beb7-5857-4685-be1f-d57550cc96cc" xsi:nil="true"/>
-    <IntlLangReview xmlns="4873beb7-5857-4685-be1f-d57550cc96cc">false</IntlLangReview>
-    <OutputCachingOn xmlns="4873beb7-5857-4685-be1f-d57550cc96cc">false</OutputCachingOn>
-    <AverageRating xmlns="4873beb7-5857-4685-be1f-d57550cc96cc" xsi:nil="true"/>
-    <APAuthor xmlns="4873beb7-5857-4685-be1f-d57550cc96cc">
-      <UserInfo>
-        <DisplayName>REDMOND\v-vaddu</DisplayName>
-        <AccountId>2567</AccountId>
-        <AccountType/>
-      </UserInfo>
-    </APAuthor>
-    <LocManualTestRequired xmlns="4873beb7-5857-4685-be1f-d57550cc96cc">false</LocManualTestRequired>
-    <TPCommandLine xmlns="4873beb7-5857-4685-be1f-d57550cc96cc" xsi:nil="true"/>
-    <TPAppVersion xmlns="4873beb7-5857-4685-be1f-d57550cc96cc" xsi:nil="true"/>
-    <EditorialStatus xmlns="4873beb7-5857-4685-be1f-d57550cc96cc">Complete</EditorialStatus>
-    <LastModifiedDateTime xmlns="4873beb7-5857-4685-be1f-d57550cc96cc" xsi:nil="true"/>
-    <ScenarioTagsTaxHTField0 xmlns="4873beb7-5857-4685-be1f-d57550cc96cc">
-      <Terms xmlns="http://schemas.microsoft.com/office/infopath/2007/PartnerControls"/>
-    </ScenarioTagsTaxHTField0>
-    <OriginalRelease xmlns="4873beb7-5857-4685-be1f-d57550cc96cc">15</OriginalRelease>
-    <TPLaunchHelpLinkType xmlns="4873beb7-5857-4685-be1f-d57550cc96cc">Template</TPLaunchHelpLinkType>
-    <LocalizationTagsTaxHTField0 xmlns="4873beb7-5857-4685-be1f-d57550cc96cc">
-      <Terms xmlns="http://schemas.microsoft.com/office/infopath/2007/PartnerControls"/>
-    </LocalizationTagsTaxHTField0>
-    <LocMarketGroupTiers2 xmlns="4873beb7-5857-4685-be1f-d57550cc96cc" xsi:nil="true"/>
-  </documentManagement>
-</p:properties>
-</file>
-
 <file path=customXml/item3.xml><?xml version="1.0" encoding="utf-8"?>
 <?mso-contentType ?>
 <FormTemplates xmlns="http://schemas.microsoft.com/sharepoint/v3/contenttype/forms">
@@ -7486,6 +7486,16 @@
 </file>
 
 <file path=customXml/itemProps1.xml><?xml version="1.0" encoding="utf-8"?>
+<ds:datastoreItem xmlns:ds="http://schemas.openxmlformats.org/officeDocument/2006/customXml" ds:itemID="{00E41224-0370-4595-877C-23316CD80004}">
+  <ds:schemaRefs>
+    <ds:schemaRef ds:uri="http://schemas.microsoft.com/office/2006/metadata/properties"/>
+    <ds:schemaRef ds:uri="http://schemas.microsoft.com/office/infopath/2007/PartnerControls"/>
+    <ds:schemaRef ds:uri="4873beb7-5857-4685-be1f-d57550cc96cc"/>
+  </ds:schemaRefs>
+</ds:datastoreItem>
+</file>
+
+<file path=customXml/itemProps2.xml><?xml version="1.0" encoding="utf-8"?>
 <ds:datastoreItem xmlns:ds="http://schemas.openxmlformats.org/officeDocument/2006/customXml" ds:itemID="{22CCB507-0646-4A50-A4F7-7F385079D589}">
   <ds:schemaRefs>
     <ds:schemaRef ds:uri="http://schemas.microsoft.com/office/2006/metadata/contentType"/>
@@ -7503,16 +7513,6 @@
 </ds:datastoreItem>
 </file>
 
-<file path=customXml/itemProps2.xml><?xml version="1.0" encoding="utf-8"?>
-<ds:datastoreItem xmlns:ds="http://schemas.openxmlformats.org/officeDocument/2006/customXml" ds:itemID="{00E41224-0370-4595-877C-23316CD80004}">
-  <ds:schemaRefs>
-    <ds:schemaRef ds:uri="http://schemas.microsoft.com/office/2006/metadata/properties"/>
-    <ds:schemaRef ds:uri="http://schemas.microsoft.com/office/infopath/2007/PartnerControls"/>
-    <ds:schemaRef ds:uri="4873beb7-5857-4685-be1f-d57550cc96cc"/>
-  </ds:schemaRefs>
-</ds:datastoreItem>
-</file>
-
 <file path=customXml/itemProps3.xml><?xml version="1.0" encoding="utf-8"?>
 <ds:datastoreItem xmlns:ds="http://schemas.openxmlformats.org/officeDocument/2006/customXml" ds:itemID="{74228E6B-D70C-44BB-A81F-A245495F612B}">
   <ds:schemaRefs>
